--- a/10python/l02/programming_02.pptx
+++ b/10python/l02/programming_02.pptx
@@ -121,7 +121,7 @@
   </p:defaultTextStyle>
   <p:extLst>
     <p:ext uri="{EFAFB233-063F-42B5-8137-9DF3F51BA10A}">
-      <p15:sldGuideLst xmlns:p15="http://schemas.microsoft.com/office/powerpoint/2012/main" xmlns="">
+      <p15:sldGuideLst xmlns="" xmlns:p15="http://schemas.microsoft.com/office/powerpoint/2012/main">
         <p15:guide id="1" orient="horz" pos="2160">
           <p15:clr>
             <a:srgbClr val="A4A3A4"/>
@@ -2833,7 +2833,7 @@
             <a:fld id="{7279E735-41B8-40FF-8196-A68A3F0EF46E}" type="datetimeFigureOut">
               <a:rPr lang="en-US" smtClean="0"/>
               <a:pPr/>
-              <a:t>4/7/2016</a:t>
+              <a:t>12/10/2016</a:t>
             </a:fld>
             <a:endParaRPr lang="en-US"/>
           </a:p>
@@ -3002,7 +3002,7 @@
     </p:spTree>
     <p:extLst>
       <p:ext uri="{BB962C8B-B14F-4D97-AF65-F5344CB8AC3E}">
-        <p14:creationId xmlns:p14="http://schemas.microsoft.com/office/powerpoint/2010/main" xmlns="" val="2077436607"/>
+        <p14:creationId xmlns="" xmlns:p14="http://schemas.microsoft.com/office/powerpoint/2010/main" val="2077436607"/>
       </p:ext>
     </p:extLst>
   </p:cSld>
@@ -3203,7 +3203,7 @@
     </p:spTree>
     <p:extLst>
       <p:ext uri="{BB962C8B-B14F-4D97-AF65-F5344CB8AC3E}">
-        <p14:creationId xmlns:p14="http://schemas.microsoft.com/office/powerpoint/2010/main" xmlns="" val="909162122"/>
+        <p14:creationId xmlns="" xmlns:p14="http://schemas.microsoft.com/office/powerpoint/2010/main" val="909162122"/>
       </p:ext>
     </p:extLst>
   </p:cSld>
@@ -3288,7 +3288,7 @@
     </p:spTree>
     <p:extLst>
       <p:ext uri="{BB962C8B-B14F-4D97-AF65-F5344CB8AC3E}">
-        <p14:creationId xmlns:p14="http://schemas.microsoft.com/office/powerpoint/2010/main" xmlns="" val="1588637736"/>
+        <p14:creationId xmlns="" xmlns:p14="http://schemas.microsoft.com/office/powerpoint/2010/main" val="1588637736"/>
       </p:ext>
     </p:extLst>
   </p:cSld>
@@ -3373,7 +3373,7 @@
     </p:spTree>
     <p:extLst>
       <p:ext uri="{BB962C8B-B14F-4D97-AF65-F5344CB8AC3E}">
-        <p14:creationId xmlns:p14="http://schemas.microsoft.com/office/powerpoint/2010/main" xmlns="" val="1588637736"/>
+        <p14:creationId xmlns="" xmlns:p14="http://schemas.microsoft.com/office/powerpoint/2010/main" val="1588637736"/>
       </p:ext>
     </p:extLst>
   </p:cSld>
@@ -3458,7 +3458,7 @@
     </p:spTree>
     <p:extLst>
       <p:ext uri="{BB962C8B-B14F-4D97-AF65-F5344CB8AC3E}">
-        <p14:creationId xmlns:p14="http://schemas.microsoft.com/office/powerpoint/2010/main" xmlns="" val="1588637736"/>
+        <p14:creationId xmlns="" xmlns:p14="http://schemas.microsoft.com/office/powerpoint/2010/main" val="1588637736"/>
       </p:ext>
     </p:extLst>
   </p:cSld>
@@ -3543,7 +3543,7 @@
     </p:spTree>
     <p:extLst>
       <p:ext uri="{BB962C8B-B14F-4D97-AF65-F5344CB8AC3E}">
-        <p14:creationId xmlns:p14="http://schemas.microsoft.com/office/powerpoint/2010/main" xmlns="" val="1588637736"/>
+        <p14:creationId xmlns="" xmlns:p14="http://schemas.microsoft.com/office/powerpoint/2010/main" val="1588637736"/>
       </p:ext>
     </p:extLst>
   </p:cSld>
@@ -3644,7 +3644,7 @@
     </p:spTree>
     <p:extLst>
       <p:ext uri="{BB962C8B-B14F-4D97-AF65-F5344CB8AC3E}">
-        <p14:creationId xmlns:p14="http://schemas.microsoft.com/office/powerpoint/2010/main" xmlns="" val="1588637736"/>
+        <p14:creationId xmlns="" xmlns:p14="http://schemas.microsoft.com/office/powerpoint/2010/main" val="1588637736"/>
       </p:ext>
     </p:extLst>
   </p:cSld>
@@ -3729,7 +3729,7 @@
     </p:spTree>
     <p:extLst>
       <p:ext uri="{BB962C8B-B14F-4D97-AF65-F5344CB8AC3E}">
-        <p14:creationId xmlns:p14="http://schemas.microsoft.com/office/powerpoint/2010/main" xmlns="" val="1588637736"/>
+        <p14:creationId xmlns="" xmlns:p14="http://schemas.microsoft.com/office/powerpoint/2010/main" val="1588637736"/>
       </p:ext>
     </p:extLst>
   </p:cSld>
@@ -3814,7 +3814,7 @@
     </p:spTree>
     <p:extLst>
       <p:ext uri="{BB962C8B-B14F-4D97-AF65-F5344CB8AC3E}">
-        <p14:creationId xmlns:p14="http://schemas.microsoft.com/office/powerpoint/2010/main" xmlns="" val="1588637736"/>
+        <p14:creationId xmlns="" xmlns:p14="http://schemas.microsoft.com/office/powerpoint/2010/main" val="1588637736"/>
       </p:ext>
     </p:extLst>
   </p:cSld>
@@ -3909,7 +3909,7 @@
     </p:spTree>
     <p:extLst>
       <p:ext uri="{BB962C8B-B14F-4D97-AF65-F5344CB8AC3E}">
-        <p14:creationId xmlns:p14="http://schemas.microsoft.com/office/powerpoint/2010/main" xmlns="" val="1588637736"/>
+        <p14:creationId xmlns="" xmlns:p14="http://schemas.microsoft.com/office/powerpoint/2010/main" val="1588637736"/>
       </p:ext>
     </p:extLst>
   </p:cSld>
@@ -4004,7 +4004,7 @@
     </p:spTree>
     <p:extLst>
       <p:ext uri="{BB962C8B-B14F-4D97-AF65-F5344CB8AC3E}">
-        <p14:creationId xmlns:p14="http://schemas.microsoft.com/office/powerpoint/2010/main" xmlns="" val="1588637736"/>
+        <p14:creationId xmlns="" xmlns:p14="http://schemas.microsoft.com/office/powerpoint/2010/main" val="1588637736"/>
       </p:ext>
     </p:extLst>
   </p:cSld>
@@ -4099,7 +4099,7 @@
     </p:spTree>
     <p:extLst>
       <p:ext uri="{BB962C8B-B14F-4D97-AF65-F5344CB8AC3E}">
-        <p14:creationId xmlns:p14="http://schemas.microsoft.com/office/powerpoint/2010/main" xmlns="" val="1588637736"/>
+        <p14:creationId xmlns="" xmlns:p14="http://schemas.microsoft.com/office/powerpoint/2010/main" val="1588637736"/>
       </p:ext>
     </p:extLst>
   </p:cSld>
@@ -4194,7 +4194,7 @@
     </p:spTree>
     <p:extLst>
       <p:ext uri="{BB962C8B-B14F-4D97-AF65-F5344CB8AC3E}">
-        <p14:creationId xmlns:p14="http://schemas.microsoft.com/office/powerpoint/2010/main" xmlns="" val="1588637736"/>
+        <p14:creationId xmlns="" xmlns:p14="http://schemas.microsoft.com/office/powerpoint/2010/main" val="1588637736"/>
       </p:ext>
     </p:extLst>
   </p:cSld>
@@ -4289,7 +4289,7 @@
     </p:spTree>
     <p:extLst>
       <p:ext uri="{BB962C8B-B14F-4D97-AF65-F5344CB8AC3E}">
-        <p14:creationId xmlns:p14="http://schemas.microsoft.com/office/powerpoint/2010/main" xmlns="" val="1588637736"/>
+        <p14:creationId xmlns="" xmlns:p14="http://schemas.microsoft.com/office/powerpoint/2010/main" val="1588637736"/>
       </p:ext>
     </p:extLst>
   </p:cSld>
@@ -4488,7 +4488,7 @@
             <a:fld id="{FC73D093-028E-4C31-96F2-C3E244130089}" type="datetimeFigureOut">
               <a:rPr lang="en-US" smtClean="0"/>
               <a:pPr/>
-              <a:t>4/7/2016</a:t>
+              <a:t>12/10/2016</a:t>
             </a:fld>
             <a:endParaRPr lang="en-US"/>
           </a:p>
@@ -4690,7 +4690,7 @@
             <a:fld id="{FC73D093-028E-4C31-96F2-C3E244130089}" type="datetimeFigureOut">
               <a:rPr lang="en-US" smtClean="0"/>
               <a:pPr/>
-              <a:t>4/7/2016</a:t>
+              <a:t>12/10/2016</a:t>
             </a:fld>
             <a:endParaRPr lang="en-US"/>
           </a:p>
@@ -4867,7 +4867,7 @@
             <a:fld id="{FC73D093-028E-4C31-96F2-C3E244130089}" type="datetimeFigureOut">
               <a:rPr lang="en-US" smtClean="0"/>
               <a:pPr/>
-              <a:t>4/7/2016</a:t>
+              <a:t>12/10/2016</a:t>
             </a:fld>
             <a:endParaRPr lang="en-US"/>
           </a:p>
@@ -5034,7 +5034,7 @@
             <a:fld id="{FC73D093-028E-4C31-96F2-C3E244130089}" type="datetimeFigureOut">
               <a:rPr lang="en-US" smtClean="0"/>
               <a:pPr/>
-              <a:t>4/7/2016</a:t>
+              <a:t>12/10/2016</a:t>
             </a:fld>
             <a:endParaRPr lang="en-US"/>
           </a:p>
@@ -5284,7 +5284,7 @@
             <a:fld id="{FC73D093-028E-4C31-96F2-C3E244130089}" type="datetimeFigureOut">
               <a:rPr lang="en-US" smtClean="0"/>
               <a:pPr/>
-              <a:t>4/7/2016</a:t>
+              <a:t>12/10/2016</a:t>
             </a:fld>
             <a:endParaRPr lang="en-US"/>
           </a:p>
@@ -5604,7 +5604,7 @@
             <a:fld id="{FC73D093-028E-4C31-96F2-C3E244130089}" type="datetimeFigureOut">
               <a:rPr lang="en-US" smtClean="0"/>
               <a:pPr/>
-              <a:t>4/7/2016</a:t>
+              <a:t>12/10/2016</a:t>
             </a:fld>
             <a:endParaRPr lang="en-US"/>
           </a:p>
@@ -6072,7 +6072,7 @@
             <a:fld id="{FC73D093-028E-4C31-96F2-C3E244130089}" type="datetimeFigureOut">
               <a:rPr lang="en-US" smtClean="0"/>
               <a:pPr/>
-              <a:t>4/7/2016</a:t>
+              <a:t>12/10/2016</a:t>
             </a:fld>
             <a:endParaRPr lang="en-US"/>
           </a:p>
@@ -6222,7 +6222,7 @@
             <a:fld id="{FC73D093-028E-4C31-96F2-C3E244130089}" type="datetimeFigureOut">
               <a:rPr lang="en-US" smtClean="0"/>
               <a:pPr/>
-              <a:t>4/7/2016</a:t>
+              <a:t>12/10/2016</a:t>
             </a:fld>
             <a:endParaRPr lang="en-US"/>
           </a:p>
@@ -6314,7 +6314,7 @@
             <a:fld id="{FC73D093-028E-4C31-96F2-C3E244130089}" type="datetimeFigureOut">
               <a:rPr lang="en-US" smtClean="0"/>
               <a:pPr/>
-              <a:t>4/7/2016</a:t>
+              <a:t>12/10/2016</a:t>
             </a:fld>
             <a:endParaRPr lang="en-US"/>
           </a:p>
@@ -6590,7 +6590,7 @@
             <a:fld id="{FC73D093-028E-4C31-96F2-C3E244130089}" type="datetimeFigureOut">
               <a:rPr lang="en-US" smtClean="0"/>
               <a:pPr/>
-              <a:t>4/7/2016</a:t>
+              <a:t>12/10/2016</a:t>
             </a:fld>
             <a:endParaRPr lang="en-US"/>
           </a:p>
@@ -6897,7 +6897,7 @@
             <a:fld id="{FC73D093-028E-4C31-96F2-C3E244130089}" type="datetimeFigureOut">
               <a:rPr lang="en-US" smtClean="0"/>
               <a:pPr/>
-              <a:t>4/7/2016</a:t>
+              <a:t>12/10/2016</a:t>
             </a:fld>
             <a:endParaRPr lang="en-US"/>
           </a:p>
@@ -7151,7 +7151,7 @@
             <a:fld id="{FC73D093-028E-4C31-96F2-C3E244130089}" type="datetimeFigureOut">
               <a:rPr lang="en-US" smtClean="0"/>
               <a:pPr/>
-              <a:t>4/7/2016</a:t>
+              <a:t>12/10/2016</a:t>
             </a:fld>
             <a:endParaRPr lang="en-US"/>
           </a:p>
@@ -7651,7 +7651,7 @@
     </p:spTree>
     <p:extLst>
       <p:ext uri="{BB962C8B-B14F-4D97-AF65-F5344CB8AC3E}">
-        <p14:creationId xmlns:p14="http://schemas.microsoft.com/office/powerpoint/2010/main" xmlns="" val="410015344"/>
+        <p14:creationId xmlns="" xmlns:p14="http://schemas.microsoft.com/office/powerpoint/2010/main" val="410015344"/>
       </p:ext>
     </p:extLst>
   </p:cSld>
@@ -7757,37 +7757,7 @@
                 <a:latin typeface="Calibri" pitchFamily="34" charset="0"/>
                 <a:cs typeface="Calibri" pitchFamily="34" charset="0"/>
               </a:rPr>
-              <a:t>The </a:t>
-            </a:r>
-            <a:r>
-              <a:rPr lang="en-GB" sz="3600" dirty="0" smtClean="0">
-                <a:solidFill>
-                  <a:srgbClr val="990000"/>
-                </a:solidFill>
-                <a:latin typeface="Calibri" pitchFamily="34" charset="0"/>
-                <a:cs typeface="Calibri" pitchFamily="34" charset="0"/>
-              </a:rPr>
-              <a:t>input</a:t>
-            </a:r>
-            <a:r>
-              <a:rPr lang="en-GB" sz="3600" dirty="0" smtClean="0">
-                <a:solidFill>
-                  <a:srgbClr val="990000"/>
-                </a:solidFill>
-                <a:latin typeface="Calibri" pitchFamily="34" charset="0"/>
-                <a:cs typeface="Calibri" pitchFamily="34" charset="0"/>
-              </a:rPr>
-              <a:t>() </a:t>
-            </a:r>
-            <a:r>
-              <a:rPr lang="en-GB" sz="3600" dirty="0" smtClean="0">
-                <a:solidFill>
-                  <a:srgbClr val="990000"/>
-                </a:solidFill>
-                <a:latin typeface="Calibri" pitchFamily="34" charset="0"/>
-                <a:cs typeface="Calibri" pitchFamily="34" charset="0"/>
-              </a:rPr>
-              <a:t>Function (and </a:t>
+              <a:t>The input() Function (and </a:t>
             </a:r>
             <a:r>
               <a:rPr lang="en-GB" sz="3600" dirty="0" err="1" smtClean="0">
@@ -7809,13 +7779,6 @@
               </a:rPr>
               <a:t>() , float() )</a:t>
             </a:r>
-            <a:endParaRPr lang="en-GB" sz="3600" dirty="0" smtClean="0">
-              <a:solidFill>
-                <a:srgbClr val="990000"/>
-              </a:solidFill>
-              <a:latin typeface="Calibri" pitchFamily="34" charset="0"/>
-              <a:cs typeface="Calibri" pitchFamily="34" charset="0"/>
-            </a:endParaRPr>
           </a:p>
           <a:p>
             <a:r>
@@ -7827,8 +7790,10 @@
                   </a:schemeClr>
                 </a:solidFill>
               </a:rPr>
-              <a:t>The </a:t>
-            </a:r>
+              <a:t>The input() Function will allow us to enter a string data type</a:t>
+            </a:r>
+          </a:p>
+          <a:p>
             <a:r>
               <a:rPr lang="en-GB" dirty="0" smtClean="0">
                 <a:solidFill>
@@ -7838,6 +7803,14 @@
                   </a:schemeClr>
                 </a:solidFill>
               </a:rPr>
+              <a:t>Example month = </a:t>
+            </a:r>
+            <a:r>
+              <a:rPr lang="en-GB" dirty="0" smtClean="0">
+                <a:solidFill>
+                  <a:srgbClr val="D60093"/>
+                </a:solidFill>
+              </a:rPr>
               <a:t>input</a:t>
             </a:r>
             <a:r>
@@ -7849,10 +7822,16 @@
                   </a:schemeClr>
                 </a:solidFill>
               </a:rPr>
-              <a:t>() Function will allow us to enter a string data type</a:t>
-            </a:r>
-          </a:p>
-          <a:p>
+              <a:t>(</a:t>
+            </a:r>
+            <a:r>
+              <a:rPr lang="en-GB" dirty="0" smtClean="0">
+                <a:solidFill>
+                  <a:srgbClr val="00B050"/>
+                </a:solidFill>
+              </a:rPr>
+              <a:t>“Enter the month “</a:t>
+            </a:r>
             <a:r>
               <a:rPr lang="en-GB" dirty="0" smtClean="0">
                 <a:solidFill>
@@ -7862,16 +7841,10 @@
                   </a:schemeClr>
                 </a:solidFill>
               </a:rPr>
-              <a:t>Example month = </a:t>
-            </a:r>
-            <a:r>
-              <a:rPr lang="en-GB" dirty="0" smtClean="0">
-                <a:solidFill>
-                  <a:srgbClr val="D60093"/>
-                </a:solidFill>
-              </a:rPr>
-              <a:t>input</a:t>
-            </a:r>
+              <a:t>)</a:t>
+            </a:r>
+          </a:p>
+          <a:p>
             <a:r>
               <a:rPr lang="en-GB" dirty="0" smtClean="0">
                 <a:solidFill>
@@ -7881,18 +7854,10 @@
                   </a:schemeClr>
                 </a:solidFill>
               </a:rPr>
-              <a:t>(</a:t>
-            </a:r>
-            <a:r>
-              <a:rPr lang="en-GB" dirty="0" smtClean="0">
-                <a:solidFill>
-                  <a:srgbClr val="00B050"/>
-                </a:solidFill>
-              </a:rPr>
-              <a:t>“Enter the month “</a:t>
-            </a:r>
-            <a:r>
-              <a:rPr lang="en-GB" dirty="0" smtClean="0">
+              <a:t>Whole numbers need a combination of input() and </a:t>
+            </a:r>
+            <a:r>
+              <a:rPr lang="en-GB" dirty="0" err="1" smtClean="0">
                 <a:solidFill>
                   <a:schemeClr val="tx2">
                     <a:lumMod val="90000"/>
@@ -7900,10 +7865,8 @@
                   </a:schemeClr>
                 </a:solidFill>
               </a:rPr>
-              <a:t>)</a:t>
-            </a:r>
-          </a:p>
-          <a:p>
+              <a:t>int</a:t>
+            </a:r>
             <a:r>
               <a:rPr lang="en-GB" dirty="0" smtClean="0">
                 <a:solidFill>
@@ -7913,8 +7876,10 @@
                   </a:schemeClr>
                 </a:solidFill>
               </a:rPr>
-              <a:t>Whole numbers </a:t>
-            </a:r>
+              <a:t>()</a:t>
+            </a:r>
+          </a:p>
+          <a:p>
             <a:r>
               <a:rPr lang="en-GB" dirty="0" smtClean="0">
                 <a:solidFill>
@@ -7924,8 +7889,50 @@
                   </a:schemeClr>
                 </a:solidFill>
               </a:rPr>
-              <a:t>need a combination of </a:t>
-            </a:r>
+              <a:t>Example  score </a:t>
+            </a:r>
+            <a:r>
+              <a:rPr lang="en-GB" dirty="0" smtClean="0">
+                <a:solidFill>
+                  <a:srgbClr val="D60093"/>
+                </a:solidFill>
+              </a:rPr>
+              <a:t>= </a:t>
+            </a:r>
+            <a:r>
+              <a:rPr lang="en-GB" dirty="0" err="1" smtClean="0">
+                <a:solidFill>
+                  <a:srgbClr val="D60093"/>
+                </a:solidFill>
+              </a:rPr>
+              <a:t>int</a:t>
+            </a:r>
+            <a:r>
+              <a:rPr lang="en-GB" dirty="0" smtClean="0">
+                <a:solidFill>
+                  <a:srgbClr val="D60093"/>
+                </a:solidFill>
+              </a:rPr>
+              <a:t>(input</a:t>
+            </a:r>
+            <a:r>
+              <a:rPr lang="en-GB" dirty="0" smtClean="0"/>
+              <a:t>(</a:t>
+            </a:r>
+            <a:r>
+              <a:rPr lang="en-GB" dirty="0" smtClean="0">
+                <a:solidFill>
+                  <a:srgbClr val="00B050"/>
+                </a:solidFill>
+              </a:rPr>
+              <a:t>“Enter the score”</a:t>
+            </a:r>
+            <a:r>
+              <a:rPr lang="en-GB" dirty="0" smtClean="0"/>
+              <a:t>))</a:t>
+            </a:r>
+          </a:p>
+          <a:p>
             <a:r>
               <a:rPr lang="en-GB" dirty="0" smtClean="0">
                 <a:solidFill>
@@ -7935,176 +7942,8 @@
                   </a:schemeClr>
                 </a:solidFill>
               </a:rPr>
-              <a:t>input</a:t>
-            </a:r>
-            <a:r>
-              <a:rPr lang="en-GB" dirty="0" smtClean="0">
-                <a:solidFill>
-                  <a:schemeClr val="tx2">
-                    <a:lumMod val="90000"/>
-                    <a:lumOff val="10000"/>
-                  </a:schemeClr>
-                </a:solidFill>
-              </a:rPr>
-              <a:t>() and </a:t>
-            </a:r>
-            <a:r>
-              <a:rPr lang="en-GB" dirty="0" err="1" smtClean="0">
-                <a:solidFill>
-                  <a:schemeClr val="tx2">
-                    <a:lumMod val="90000"/>
-                    <a:lumOff val="10000"/>
-                  </a:schemeClr>
-                </a:solidFill>
-              </a:rPr>
-              <a:t>int</a:t>
-            </a:r>
-            <a:r>
-              <a:rPr lang="en-GB" dirty="0" smtClean="0">
-                <a:solidFill>
-                  <a:schemeClr val="tx2">
-                    <a:lumMod val="90000"/>
-                    <a:lumOff val="10000"/>
-                  </a:schemeClr>
-                </a:solidFill>
-              </a:rPr>
-              <a:t>()</a:t>
-            </a:r>
-            <a:endParaRPr lang="en-GB" dirty="0" smtClean="0">
-              <a:solidFill>
-                <a:schemeClr val="tx2">
-                  <a:lumMod val="90000"/>
-                  <a:lumOff val="10000"/>
-                </a:schemeClr>
-              </a:solidFill>
-            </a:endParaRPr>
-          </a:p>
-          <a:p>
-            <a:r>
-              <a:rPr lang="en-GB" dirty="0" smtClean="0">
-                <a:solidFill>
-                  <a:schemeClr val="tx2">
-                    <a:lumMod val="90000"/>
-                    <a:lumOff val="10000"/>
-                  </a:schemeClr>
-                </a:solidFill>
-              </a:rPr>
-              <a:t>Example </a:t>
-            </a:r>
-            <a:r>
-              <a:rPr lang="en-GB" dirty="0" smtClean="0">
-                <a:solidFill>
-                  <a:schemeClr val="tx2">
-                    <a:lumMod val="90000"/>
-                    <a:lumOff val="10000"/>
-                  </a:schemeClr>
-                </a:solidFill>
-              </a:rPr>
-              <a:t> </a:t>
-            </a:r>
-            <a:r>
-              <a:rPr lang="en-GB" dirty="0" smtClean="0">
-                <a:solidFill>
-                  <a:schemeClr val="tx2">
-                    <a:lumMod val="90000"/>
-                    <a:lumOff val="10000"/>
-                  </a:schemeClr>
-                </a:solidFill>
-              </a:rPr>
-              <a:t>score </a:t>
-            </a:r>
-            <a:r>
-              <a:rPr lang="en-GB" dirty="0" smtClean="0">
-                <a:solidFill>
-                  <a:srgbClr val="D60093"/>
-                </a:solidFill>
-              </a:rPr>
-              <a:t>= </a:t>
-            </a:r>
-            <a:r>
-              <a:rPr lang="en-GB" dirty="0" err="1" smtClean="0">
-                <a:solidFill>
-                  <a:srgbClr val="D60093"/>
-                </a:solidFill>
-              </a:rPr>
-              <a:t>int</a:t>
-            </a:r>
-            <a:r>
-              <a:rPr lang="en-GB" dirty="0" smtClean="0">
-                <a:solidFill>
-                  <a:srgbClr val="D60093"/>
-                </a:solidFill>
-              </a:rPr>
-              <a:t>(input</a:t>
-            </a:r>
-            <a:r>
-              <a:rPr lang="en-GB" dirty="0" smtClean="0"/>
-              <a:t>(</a:t>
-            </a:r>
-            <a:r>
-              <a:rPr lang="en-GB" dirty="0" smtClean="0">
-                <a:solidFill>
-                  <a:srgbClr val="00B050"/>
-                </a:solidFill>
-              </a:rPr>
-              <a:t>“Enter the score</a:t>
-            </a:r>
-            <a:r>
-              <a:rPr lang="en-GB" dirty="0" smtClean="0">
-                <a:solidFill>
-                  <a:srgbClr val="00B050"/>
-                </a:solidFill>
-              </a:rPr>
-              <a:t>”</a:t>
-            </a:r>
-            <a:r>
-              <a:rPr lang="en-GB" dirty="0" smtClean="0"/>
-              <a:t>))</a:t>
-            </a:r>
-            <a:endParaRPr lang="en-GB" dirty="0" smtClean="0"/>
-          </a:p>
-          <a:p>
-            <a:r>
-              <a:rPr lang="en-GB" dirty="0" smtClean="0">
-                <a:solidFill>
-                  <a:schemeClr val="tx2">
-                    <a:lumMod val="90000"/>
-                    <a:lumOff val="10000"/>
-                  </a:schemeClr>
-                </a:solidFill>
-              </a:rPr>
-              <a:t>Floating </a:t>
-            </a:r>
-            <a:r>
-              <a:rPr lang="en-GB" dirty="0" smtClean="0">
-                <a:solidFill>
-                  <a:schemeClr val="tx2">
-                    <a:lumMod val="90000"/>
-                    <a:lumOff val="10000"/>
-                  </a:schemeClr>
-                </a:solidFill>
-              </a:rPr>
-              <a:t>numbers need a combination of input() and </a:t>
-            </a:r>
-            <a:r>
-              <a:rPr lang="en-GB" dirty="0" smtClean="0">
-                <a:solidFill>
-                  <a:schemeClr val="tx2">
-                    <a:lumMod val="90000"/>
-                    <a:lumOff val="10000"/>
-                  </a:schemeClr>
-                </a:solidFill>
-              </a:rPr>
-              <a:t>float()</a:t>
-            </a:r>
-            <a:endParaRPr lang="en-GB" dirty="0" smtClean="0">
-              <a:solidFill>
-                <a:schemeClr val="tx2">
-                  <a:lumMod val="90000"/>
-                  <a:lumOff val="10000"/>
-                </a:schemeClr>
-              </a:solidFill>
-            </a:endParaRPr>
+              <a:t>Floating numbers need a combination of input() and float()</a:t>
+            </a:r>
           </a:p>
           <a:p>
             <a:r>
@@ -8349,7 +8188,7 @@
     </p:spTree>
     <p:extLst>
       <p:ext uri="{BB962C8B-B14F-4D97-AF65-F5344CB8AC3E}">
-        <p14:creationId xmlns:p14="http://schemas.microsoft.com/office/powerpoint/2010/main" xmlns="" val="745566479"/>
+        <p14:creationId xmlns="" xmlns:p14="http://schemas.microsoft.com/office/powerpoint/2010/main" val="745566479"/>
       </p:ext>
     </p:extLst>
   </p:cSld>
@@ -8357,7 +8196,7 @@
     <a:masterClrMapping/>
   </p:clrMapOvr>
   <mc:AlternateContent xmlns:mc="http://schemas.openxmlformats.org/markup-compatibility/2006">
-    <mc:Choice xmlns:p14="http://schemas.microsoft.com/office/powerpoint/2010/main" xmlns="" Requires="p14">
+    <mc:Choice xmlns="" xmlns:p14="http://schemas.microsoft.com/office/powerpoint/2010/main" Requires="p14">
       <p:transition p14:dur="10"/>
     </mc:Choice>
     <mc:Fallback>
@@ -8538,10 +8377,10 @@
                   </a:schemeClr>
                 </a:solidFill>
               </a:rPr>
-              <a:t>Whole numbers can be entered using just input</a:t>
-            </a:r>
-            <a:r>
-              <a:rPr lang="en-GB" dirty="0" smtClean="0">
+              <a:t>Whole numbers can be entered using just input() and </a:t>
+            </a:r>
+            <a:r>
+              <a:rPr lang="en-GB" dirty="0" err="1" smtClean="0">
                 <a:solidFill>
                   <a:schemeClr val="tx2">
                     <a:lumMod val="90000"/>
@@ -8549,10 +8388,10 @@
                   </a:schemeClr>
                 </a:solidFill>
               </a:rPr>
-              <a:t>() and </a:t>
-            </a:r>
-            <a:r>
-              <a:rPr lang="en-GB" dirty="0" err="1" smtClean="0">
+              <a:t>int</a:t>
+            </a:r>
+            <a:r>
+              <a:rPr lang="en-GB" dirty="0" smtClean="0">
                 <a:solidFill>
                   <a:schemeClr val="tx2">
                     <a:lumMod val="90000"/>
@@ -8560,8 +8399,10 @@
                   </a:schemeClr>
                 </a:solidFill>
               </a:rPr>
-              <a:t>int</a:t>
-            </a:r>
+              <a:t>()</a:t>
+            </a:r>
+          </a:p>
+          <a:p>
             <a:r>
               <a:rPr lang="en-GB" dirty="0" smtClean="0">
                 <a:solidFill>
@@ -8571,16 +8412,40 @@
                   </a:schemeClr>
                 </a:solidFill>
               </a:rPr>
-              <a:t>()</a:t>
-            </a:r>
-            <a:endParaRPr lang="en-GB" dirty="0" smtClean="0">
-              <a:solidFill>
-                <a:schemeClr val="tx2">
-                  <a:lumMod val="90000"/>
-                  <a:lumOff val="10000"/>
-                </a:schemeClr>
-              </a:solidFill>
-            </a:endParaRPr>
+              <a:t>Example  score = </a:t>
+            </a:r>
+            <a:r>
+              <a:rPr lang="en-GB" dirty="0" err="1" smtClean="0">
+                <a:solidFill>
+                  <a:srgbClr val="D60093"/>
+                </a:solidFill>
+              </a:rPr>
+              <a:t>int</a:t>
+            </a:r>
+            <a:r>
+              <a:rPr lang="en-GB" dirty="0" smtClean="0">
+                <a:solidFill>
+                  <a:srgbClr val="D60093"/>
+                </a:solidFill>
+              </a:rPr>
+              <a:t>(input</a:t>
+            </a:r>
+            <a:r>
+              <a:rPr lang="en-GB" dirty="0" smtClean="0"/>
+              <a:t>(</a:t>
+            </a:r>
+            <a:r>
+              <a:rPr lang="en-GB" dirty="0" smtClean="0">
+                <a:solidFill>
+                  <a:srgbClr val="00B050"/>
+                </a:solidFill>
+              </a:rPr>
+              <a:t>“Enter the score”</a:t>
+            </a:r>
+            <a:r>
+              <a:rPr lang="en-GB" dirty="0" smtClean="0"/>
+              <a:t>))</a:t>
+            </a:r>
           </a:p>
           <a:p>
             <a:r>
@@ -8592,8 +8457,10 @@
                   </a:schemeClr>
                 </a:solidFill>
               </a:rPr>
-              <a:t>Example </a:t>
-            </a:r>
+              <a:t>Floating numbers need a combination</a:t>
+            </a:r>
+          </a:p>
+          <a:p>
             <a:r>
               <a:rPr lang="en-GB" dirty="0" smtClean="0">
                 <a:solidFill>
@@ -8603,7 +8470,15 @@
                   </a:schemeClr>
                 </a:solidFill>
               </a:rPr>
-              <a:t> </a:t>
+              <a:t>Example  percentage = </a:t>
+            </a:r>
+            <a:r>
+              <a:rPr lang="en-GB" dirty="0" smtClean="0">
+                <a:solidFill>
+                  <a:srgbClr val="D60093"/>
+                </a:solidFill>
+              </a:rPr>
+              <a:t>float(input</a:t>
             </a:r>
             <a:r>
               <a:rPr lang="en-GB" dirty="0" smtClean="0">
@@ -8614,137 +8489,20 @@
                   </a:schemeClr>
                 </a:solidFill>
               </a:rPr>
-              <a:t>score = </a:t>
-            </a:r>
-            <a:r>
-              <a:rPr lang="en-GB" dirty="0" err="1" smtClean="0">
-                <a:solidFill>
-                  <a:srgbClr val="D60093"/>
+              <a:t>(</a:t>
+            </a:r>
+            <a:r>
+              <a:rPr lang="en-GB" dirty="0" smtClean="0">
+                <a:solidFill>
+                  <a:srgbClr val="00B050"/>
                 </a:solidFill>
               </a:rPr>
-              <a:t>int</a:t>
-            </a:r>
-            <a:r>
-              <a:rPr lang="en-GB" dirty="0" smtClean="0">
-                <a:solidFill>
-                  <a:srgbClr val="D60093"/>
-                </a:solidFill>
-              </a:rPr>
-              <a:t>(input</a:t>
-            </a:r>
-            <a:r>
-              <a:rPr lang="en-GB" dirty="0" smtClean="0"/>
-              <a:t>(</a:t>
-            </a:r>
-            <a:r>
-              <a:rPr lang="en-GB" dirty="0" smtClean="0">
-                <a:solidFill>
-                  <a:srgbClr val="00B050"/>
-                </a:solidFill>
-              </a:rPr>
-              <a:t>“Enter the score</a:t>
-            </a:r>
-            <a:r>
-              <a:rPr lang="en-GB" dirty="0" smtClean="0">
-                <a:solidFill>
-                  <a:srgbClr val="00B050"/>
-                </a:solidFill>
-              </a:rPr>
-              <a:t>”</a:t>
+              <a:t>“Enter decimal “</a:t>
             </a:r>
             <a:r>
               <a:rPr lang="en-GB" dirty="0" smtClean="0"/>
               <a:t>))</a:t>
             </a:r>
-            <a:endParaRPr lang="en-GB" dirty="0" smtClean="0"/>
-          </a:p>
-          <a:p>
-            <a:r>
-              <a:rPr lang="en-GB" dirty="0" smtClean="0">
-                <a:solidFill>
-                  <a:schemeClr val="tx2">
-                    <a:lumMod val="90000"/>
-                    <a:lumOff val="10000"/>
-                  </a:schemeClr>
-                </a:solidFill>
-              </a:rPr>
-              <a:t>Floating numbers need a combination</a:t>
-            </a:r>
-          </a:p>
-          <a:p>
-            <a:r>
-              <a:rPr lang="en-GB" dirty="0" smtClean="0">
-                <a:solidFill>
-                  <a:schemeClr val="tx2">
-                    <a:lumMod val="90000"/>
-                    <a:lumOff val="10000"/>
-                  </a:schemeClr>
-                </a:solidFill>
-              </a:rPr>
-              <a:t>Example </a:t>
-            </a:r>
-            <a:r>
-              <a:rPr lang="en-GB" dirty="0" smtClean="0">
-                <a:solidFill>
-                  <a:schemeClr val="tx2">
-                    <a:lumMod val="90000"/>
-                    <a:lumOff val="10000"/>
-                  </a:schemeClr>
-                </a:solidFill>
-              </a:rPr>
-              <a:t> </a:t>
-            </a:r>
-            <a:r>
-              <a:rPr lang="en-GB" dirty="0" smtClean="0">
-                <a:solidFill>
-                  <a:schemeClr val="tx2">
-                    <a:lumMod val="90000"/>
-                    <a:lumOff val="10000"/>
-                  </a:schemeClr>
-                </a:solidFill>
-              </a:rPr>
-              <a:t>percentage = </a:t>
-            </a:r>
-            <a:r>
-              <a:rPr lang="en-GB" dirty="0" smtClean="0">
-                <a:solidFill>
-                  <a:srgbClr val="D60093"/>
-                </a:solidFill>
-              </a:rPr>
-              <a:t>float(input</a:t>
-            </a:r>
-            <a:r>
-              <a:rPr lang="en-GB" dirty="0" smtClean="0">
-                <a:solidFill>
-                  <a:schemeClr val="tx2">
-                    <a:lumMod val="90000"/>
-                    <a:lumOff val="10000"/>
-                  </a:schemeClr>
-                </a:solidFill>
-              </a:rPr>
-              <a:t>(</a:t>
-            </a:r>
-            <a:r>
-              <a:rPr lang="en-GB" dirty="0" smtClean="0">
-                <a:solidFill>
-                  <a:srgbClr val="00B050"/>
-                </a:solidFill>
-              </a:rPr>
-              <a:t>“Enter decimal </a:t>
-            </a:r>
-            <a:r>
-              <a:rPr lang="en-GB" dirty="0" smtClean="0">
-                <a:solidFill>
-                  <a:srgbClr val="00B050"/>
-                </a:solidFill>
-              </a:rPr>
-              <a:t>“</a:t>
-            </a:r>
-            <a:r>
-              <a:rPr lang="en-GB" dirty="0" smtClean="0"/>
-              <a:t>))</a:t>
-            </a:r>
-            <a:endParaRPr lang="en-GB" dirty="0" smtClean="0"/>
           </a:p>
           <a:p>
             <a:endParaRPr lang="en-GB" dirty="0" smtClean="0">
@@ -8772,7 +8530,7 @@
     </p:spTree>
     <p:extLst>
       <p:ext uri="{BB962C8B-B14F-4D97-AF65-F5344CB8AC3E}">
-        <p14:creationId xmlns:p14="http://schemas.microsoft.com/office/powerpoint/2010/main" xmlns="" val="3717860988"/>
+        <p14:creationId xmlns="" xmlns:p14="http://schemas.microsoft.com/office/powerpoint/2010/main" val="3717860988"/>
       </p:ext>
     </p:extLst>
   </p:cSld>
@@ -8780,7 +8538,7 @@
     <a:masterClrMapping/>
   </p:clrMapOvr>
   <mc:AlternateContent xmlns:mc="http://schemas.openxmlformats.org/markup-compatibility/2006">
-    <mc:Choice xmlns:p14="http://schemas.microsoft.com/office/powerpoint/2010/main" xmlns="" Requires="p14">
+    <mc:Choice xmlns="" xmlns:p14="http://schemas.microsoft.com/office/powerpoint/2010/main" Requires="p14">
       <p:transition p14:dur="10"/>
     </mc:Choice>
     <mc:Fallback>
@@ -8932,10 +8690,10 @@
           <p:nvPr/>
         </p:nvPicPr>
         <p:blipFill>
-          <a:blip r:embed="rId3" cstate="print">
+          <a:blip r:embed="rId3" cstate="email">
             <a:extLst>
               <a:ext uri="{28A0092B-C50C-407E-A947-70E740481C1C}">
-                <a14:useLocalDpi xmlns:a14="http://schemas.microsoft.com/office/drawing/2010/main" xmlns="" val="0"/>
+                <a14:useLocalDpi xmlns="" xmlns:a14="http://schemas.microsoft.com/office/drawing/2010/main" val="0"/>
               </a:ext>
             </a:extLst>
           </a:blip>
@@ -8959,14 +8717,14 @@
           <a:effectLst/>
           <a:extLst>
             <a:ext uri="{909E8E84-426E-40DD-AFC4-6F175D3DCCD1}">
-              <a14:hiddenFill xmlns:a14="http://schemas.microsoft.com/office/drawing/2010/main" xmlns="">
+              <a14:hiddenFill xmlns="" xmlns:a14="http://schemas.microsoft.com/office/drawing/2010/main">
                 <a:solidFill>
                   <a:schemeClr val="accent1"/>
                 </a:solidFill>
               </a14:hiddenFill>
             </a:ext>
             <a:ext uri="{91240B29-F687-4F45-9708-019B960494DF}">
-              <a14:hiddenLine xmlns:a14="http://schemas.microsoft.com/office/drawing/2010/main" xmlns="" w="9525">
+              <a14:hiddenLine xmlns="" xmlns:a14="http://schemas.microsoft.com/office/drawing/2010/main" w="9525">
                 <a:solidFill>
                   <a:schemeClr val="tx1"/>
                 </a:solidFill>
@@ -8976,7 +8734,7 @@
               </a14:hiddenLine>
             </a:ext>
             <a:ext uri="{AF507438-7753-43E0-B8FC-AC1667EBCBE1}">
-              <a14:hiddenEffects xmlns:a14="http://schemas.microsoft.com/office/drawing/2010/main" xmlns="">
+              <a14:hiddenEffects xmlns="" xmlns:a14="http://schemas.microsoft.com/office/drawing/2010/main">
                 <a:effectLst>
                   <a:outerShdw dist="35921" dir="2700000" algn="ctr" rotWithShape="0">
                     <a:schemeClr val="bg2"/>
@@ -8990,7 +8748,7 @@
     </p:spTree>
     <p:extLst>
       <p:ext uri="{BB962C8B-B14F-4D97-AF65-F5344CB8AC3E}">
-        <p14:creationId xmlns:p14="http://schemas.microsoft.com/office/powerpoint/2010/main" xmlns="" val="3017269996"/>
+        <p14:creationId xmlns="" xmlns:p14="http://schemas.microsoft.com/office/powerpoint/2010/main" val="3017269996"/>
       </p:ext>
     </p:extLst>
   </p:cSld>
@@ -8998,7 +8756,7 @@
     <a:masterClrMapping/>
   </p:clrMapOvr>
   <mc:AlternateContent xmlns:mc="http://schemas.openxmlformats.org/markup-compatibility/2006">
-    <mc:Choice xmlns:p14="http://schemas.microsoft.com/office/powerpoint/2010/main" xmlns="" Requires="p14">
+    <mc:Choice xmlns="" xmlns:p14="http://schemas.microsoft.com/office/powerpoint/2010/main" Requires="p14">
       <p:transition p14:dur="10"/>
     </mc:Choice>
     <mc:Fallback>
@@ -9265,7 +9023,7 @@
     </p:spTree>
     <p:extLst>
       <p:ext uri="{BB962C8B-B14F-4D97-AF65-F5344CB8AC3E}">
-        <p14:creationId xmlns:p14="http://schemas.microsoft.com/office/powerpoint/2010/main" xmlns="" val="4189856136"/>
+        <p14:creationId xmlns="" xmlns:p14="http://schemas.microsoft.com/office/powerpoint/2010/main" val="4189856136"/>
       </p:ext>
     </p:extLst>
   </p:cSld>
@@ -9273,7 +9031,7 @@
     <a:masterClrMapping/>
   </p:clrMapOvr>
   <mc:AlternateContent xmlns:mc="http://schemas.openxmlformats.org/markup-compatibility/2006">
-    <mc:Choice xmlns:p14="http://schemas.microsoft.com/office/powerpoint/2010/main" xmlns="" Requires="p14">
+    <mc:Choice xmlns="" xmlns:p14="http://schemas.microsoft.com/office/powerpoint/2010/main" Requires="p14">
       <p:transition p14:dur="10"/>
     </mc:Choice>
     <mc:Fallback>
@@ -9859,7 +9617,7 @@
     </p:spTree>
     <p:extLst>
       <p:ext uri="{BB962C8B-B14F-4D97-AF65-F5344CB8AC3E}">
-        <p14:creationId xmlns:p14="http://schemas.microsoft.com/office/powerpoint/2010/main" xmlns="" val="426064449"/>
+        <p14:creationId xmlns="" xmlns:p14="http://schemas.microsoft.com/office/powerpoint/2010/main" val="426064449"/>
       </p:ext>
     </p:extLst>
   </p:cSld>
@@ -10094,7 +9852,7 @@
     </p:spTree>
     <p:extLst>
       <p:ext uri="{BB962C8B-B14F-4D97-AF65-F5344CB8AC3E}">
-        <p14:creationId xmlns:p14="http://schemas.microsoft.com/office/powerpoint/2010/main" xmlns="" val="1721570405"/>
+        <p14:creationId xmlns="" xmlns:p14="http://schemas.microsoft.com/office/powerpoint/2010/main" val="1721570405"/>
       </p:ext>
     </p:extLst>
   </p:cSld>
@@ -10269,10 +10027,10 @@
           <p:nvPr/>
         </p:nvPicPr>
         <p:blipFill>
-          <a:blip r:embed="rId3" cstate="print">
+          <a:blip r:embed="rId3" cstate="email">
             <a:extLst>
               <a:ext uri="{28A0092B-C50C-407E-A947-70E740481C1C}">
-                <a14:useLocalDpi xmlns:a14="http://schemas.microsoft.com/office/drawing/2010/main" xmlns="" val="0"/>
+                <a14:useLocalDpi xmlns="" xmlns:a14="http://schemas.microsoft.com/office/drawing/2010/main" val="0"/>
               </a:ext>
             </a:extLst>
           </a:blip>
@@ -10296,14 +10054,14 @@
           <a:effectLst/>
           <a:extLst>
             <a:ext uri="{909E8E84-426E-40DD-AFC4-6F175D3DCCD1}">
-              <a14:hiddenFill xmlns:a14="http://schemas.microsoft.com/office/drawing/2010/main" xmlns="">
+              <a14:hiddenFill xmlns="" xmlns:a14="http://schemas.microsoft.com/office/drawing/2010/main">
                 <a:solidFill>
                   <a:schemeClr val="accent1"/>
                 </a:solidFill>
               </a14:hiddenFill>
             </a:ext>
             <a:ext uri="{91240B29-F687-4F45-9708-019B960494DF}">
-              <a14:hiddenLine xmlns:a14="http://schemas.microsoft.com/office/drawing/2010/main" xmlns="" w="9525">
+              <a14:hiddenLine xmlns="" xmlns:a14="http://schemas.microsoft.com/office/drawing/2010/main" w="9525">
                 <a:solidFill>
                   <a:schemeClr val="tx1"/>
                 </a:solidFill>
@@ -10313,7 +10071,7 @@
               </a14:hiddenLine>
             </a:ext>
             <a:ext uri="{AF507438-7753-43E0-B8FC-AC1667EBCBE1}">
-              <a14:hiddenEffects xmlns:a14="http://schemas.microsoft.com/office/drawing/2010/main" xmlns="">
+              <a14:hiddenEffects xmlns="" xmlns:a14="http://schemas.microsoft.com/office/drawing/2010/main">
                 <a:effectLst>
                   <a:outerShdw dist="35921" dir="2700000" algn="ctr" rotWithShape="0">
                     <a:schemeClr val="bg2"/>
@@ -10434,7 +10192,7 @@
     </p:spTree>
     <p:extLst>
       <p:ext uri="{BB962C8B-B14F-4D97-AF65-F5344CB8AC3E}">
-        <p14:creationId xmlns:p14="http://schemas.microsoft.com/office/powerpoint/2010/main" xmlns="" val="1721570405"/>
+        <p14:creationId xmlns="" xmlns:p14="http://schemas.microsoft.com/office/powerpoint/2010/main" val="1721570405"/>
       </p:ext>
     </p:extLst>
   </p:cSld>
@@ -10762,8 +10520,8 @@
             <p:nvPr/>
           </p:nvPicPr>
           <p:blipFill>
-            <a:blip r:embed="rId3" cstate="print"/>
-            <a:srcRect l="22410" t="15375" r="56559" b="55094"/>
+            <a:blip r:embed="rId3" cstate="email"/>
+            <a:srcRect/>
             <a:stretch>
               <a:fillRect/>
             </a:stretch>
@@ -10803,8 +10561,8 @@
             <p:nvPr/>
           </p:nvPicPr>
           <p:blipFill>
-            <a:blip r:embed="rId4" cstate="print"/>
-            <a:srcRect l="9046" t="8657" r="66050" b="61812"/>
+            <a:blip r:embed="rId4" cstate="email"/>
+            <a:srcRect/>
             <a:stretch>
               <a:fillRect/>
             </a:stretch>
@@ -10879,7 +10637,7 @@
     </p:spTree>
     <p:extLst>
       <p:ext uri="{BB962C8B-B14F-4D97-AF65-F5344CB8AC3E}">
-        <p14:creationId xmlns:p14="http://schemas.microsoft.com/office/powerpoint/2010/main" xmlns="" val="2645139636"/>
+        <p14:creationId xmlns="" xmlns:p14="http://schemas.microsoft.com/office/powerpoint/2010/main" val="2645139636"/>
       </p:ext>
     </p:extLst>
   </p:cSld>
@@ -10887,7 +10645,7 @@
     <a:masterClrMapping/>
   </p:clrMapOvr>
   <mc:AlternateContent xmlns:mc="http://schemas.openxmlformats.org/markup-compatibility/2006">
-    <mc:Choice xmlns:p14="http://schemas.microsoft.com/office/powerpoint/2010/main" xmlns="" Requires="p14">
+    <mc:Choice xmlns="" xmlns:p14="http://schemas.microsoft.com/office/powerpoint/2010/main" Requires="p14">
       <p:transition p14:dur="10"/>
     </mc:Choice>
     <mc:Fallback>
@@ -11344,10 +11102,10 @@
           <p:nvPr/>
         </p:nvPicPr>
         <p:blipFill>
-          <a:blip r:embed="rId3" cstate="print">
+          <a:blip r:embed="rId3" cstate="email">
             <a:extLst>
               <a:ext uri="{28A0092B-C50C-407E-A947-70E740481C1C}">
-                <a14:useLocalDpi xmlns:a14="http://schemas.microsoft.com/office/drawing/2010/main" xmlns="" val="0"/>
+                <a14:useLocalDpi xmlns="" xmlns:a14="http://schemas.microsoft.com/office/drawing/2010/main" val="0"/>
               </a:ext>
             </a:extLst>
           </a:blip>
@@ -11371,14 +11129,14 @@
           <a:effectLst/>
           <a:extLst>
             <a:ext uri="{909E8E84-426E-40DD-AFC4-6F175D3DCCD1}">
-              <a14:hiddenFill xmlns:a14="http://schemas.microsoft.com/office/drawing/2010/main" xmlns="">
+              <a14:hiddenFill xmlns="" xmlns:a14="http://schemas.microsoft.com/office/drawing/2010/main">
                 <a:solidFill>
                   <a:schemeClr val="accent1"/>
                 </a:solidFill>
               </a14:hiddenFill>
             </a:ext>
             <a:ext uri="{91240B29-F687-4F45-9708-019B960494DF}">
-              <a14:hiddenLine xmlns:a14="http://schemas.microsoft.com/office/drawing/2010/main" xmlns="" w="9525">
+              <a14:hiddenLine xmlns="" xmlns:a14="http://schemas.microsoft.com/office/drawing/2010/main" w="9525">
                 <a:solidFill>
                   <a:schemeClr val="tx1"/>
                 </a:solidFill>
@@ -11388,7 +11146,7 @@
               </a14:hiddenLine>
             </a:ext>
             <a:ext uri="{AF507438-7753-43E0-B8FC-AC1667EBCBE1}">
-              <a14:hiddenEffects xmlns:a14="http://schemas.microsoft.com/office/drawing/2010/main" xmlns="">
+              <a14:hiddenEffects xmlns="" xmlns:a14="http://schemas.microsoft.com/office/drawing/2010/main">
                 <a:effectLst>
                   <a:outerShdw dist="35921" dir="2700000" algn="ctr" rotWithShape="0">
                     <a:schemeClr val="bg2"/>
@@ -11402,7 +11160,7 @@
     </p:spTree>
     <p:extLst>
       <p:ext uri="{BB962C8B-B14F-4D97-AF65-F5344CB8AC3E}">
-        <p14:creationId xmlns:p14="http://schemas.microsoft.com/office/powerpoint/2010/main" xmlns="" val="36600821"/>
+        <p14:creationId xmlns="" xmlns:p14="http://schemas.microsoft.com/office/powerpoint/2010/main" val="36600821"/>
       </p:ext>
     </p:extLst>
   </p:cSld>
@@ -11410,7 +11168,7 @@
     <a:masterClrMapping/>
   </p:clrMapOvr>
   <mc:AlternateContent xmlns:mc="http://schemas.openxmlformats.org/markup-compatibility/2006">
-    <mc:Choice xmlns:p14="http://schemas.microsoft.com/office/powerpoint/2010/main" xmlns="" Requires="p14">
+    <mc:Choice xmlns="" xmlns:p14="http://schemas.microsoft.com/office/powerpoint/2010/main" Requires="p14">
       <p:transition p14:dur="10"/>
     </mc:Choice>
     <mc:Fallback>
@@ -11637,10 +11395,10 @@
           <p:nvPr/>
         </p:nvPicPr>
         <p:blipFill>
-          <a:blip r:embed="rId3" cstate="print">
+          <a:blip r:embed="rId3" cstate="email">
             <a:extLst>
               <a:ext uri="{28A0092B-C50C-407E-A947-70E740481C1C}">
-                <a14:useLocalDpi xmlns:a14="http://schemas.microsoft.com/office/drawing/2010/main" xmlns="" val="0"/>
+                <a14:useLocalDpi xmlns="" xmlns:a14="http://schemas.microsoft.com/office/drawing/2010/main" val="0"/>
               </a:ext>
             </a:extLst>
           </a:blip>
@@ -11664,14 +11422,14 @@
           <a:effectLst/>
           <a:extLst>
             <a:ext uri="{909E8E84-426E-40DD-AFC4-6F175D3DCCD1}">
-              <a14:hiddenFill xmlns:a14="http://schemas.microsoft.com/office/drawing/2010/main" xmlns="">
+              <a14:hiddenFill xmlns="" xmlns:a14="http://schemas.microsoft.com/office/drawing/2010/main">
                 <a:solidFill>
                   <a:schemeClr val="accent1"/>
                 </a:solidFill>
               </a14:hiddenFill>
             </a:ext>
             <a:ext uri="{91240B29-F687-4F45-9708-019B960494DF}">
-              <a14:hiddenLine xmlns:a14="http://schemas.microsoft.com/office/drawing/2010/main" xmlns="" w="9525">
+              <a14:hiddenLine xmlns="" xmlns:a14="http://schemas.microsoft.com/office/drawing/2010/main" w="9525">
                 <a:solidFill>
                   <a:schemeClr val="tx1"/>
                 </a:solidFill>
@@ -11681,7 +11439,7 @@
               </a14:hiddenLine>
             </a:ext>
             <a:ext uri="{AF507438-7753-43E0-B8FC-AC1667EBCBE1}">
-              <a14:hiddenEffects xmlns:a14="http://schemas.microsoft.com/office/drawing/2010/main" xmlns="">
+              <a14:hiddenEffects xmlns="" xmlns:a14="http://schemas.microsoft.com/office/drawing/2010/main">
                 <a:effectLst>
                   <a:outerShdw dist="35921" dir="2700000" algn="ctr" rotWithShape="0">
                     <a:schemeClr val="bg2"/>
@@ -11715,10 +11473,10 @@
             <p:nvPr/>
           </p:nvPicPr>
           <p:blipFill>
-            <a:blip r:embed="rId4" cstate="print">
+            <a:blip r:embed="rId4" cstate="email">
               <a:extLst>
                 <a:ext uri="{28A0092B-C50C-407E-A947-70E740481C1C}">
-                  <a14:useLocalDpi xmlns:a14="http://schemas.microsoft.com/office/drawing/2010/main" xmlns="" val="0"/>
+                  <a14:useLocalDpi xmlns="" xmlns:a14="http://schemas.microsoft.com/office/drawing/2010/main" val="0"/>
                 </a:ext>
               </a:extLst>
             </a:blip>
@@ -11742,14 +11500,14 @@
             <a:effectLst/>
             <a:extLst>
               <a:ext uri="{909E8E84-426E-40DD-AFC4-6F175D3DCCD1}">
-                <a14:hiddenFill xmlns:a14="http://schemas.microsoft.com/office/drawing/2010/main" xmlns="">
+                <a14:hiddenFill xmlns="" xmlns:a14="http://schemas.microsoft.com/office/drawing/2010/main">
                   <a:solidFill>
                     <a:schemeClr val="accent1"/>
                   </a:solidFill>
                 </a14:hiddenFill>
               </a:ext>
               <a:ext uri="{91240B29-F687-4F45-9708-019B960494DF}">
-                <a14:hiddenLine xmlns:a14="http://schemas.microsoft.com/office/drawing/2010/main" xmlns="" w="9525">
+                <a14:hiddenLine xmlns="" xmlns:a14="http://schemas.microsoft.com/office/drawing/2010/main" w="9525">
                   <a:solidFill>
                     <a:schemeClr val="tx1"/>
                   </a:solidFill>
@@ -11759,7 +11517,7 @@
                 </a14:hiddenLine>
               </a:ext>
               <a:ext uri="{AF507438-7753-43E0-B8FC-AC1667EBCBE1}">
-                <a14:hiddenEffects xmlns:a14="http://schemas.microsoft.com/office/drawing/2010/main" xmlns="">
+                <a14:hiddenEffects xmlns="" xmlns:a14="http://schemas.microsoft.com/office/drawing/2010/main">
                   <a:effectLst>
                     <a:outerShdw dist="35921" dir="2700000" algn="ctr" rotWithShape="0">
                       <a:schemeClr val="bg2"/>
@@ -11814,7 +11572,7 @@
     </p:spTree>
     <p:extLst>
       <p:ext uri="{BB962C8B-B14F-4D97-AF65-F5344CB8AC3E}">
-        <p14:creationId xmlns:p14="http://schemas.microsoft.com/office/powerpoint/2010/main" xmlns="" val="3046700683"/>
+        <p14:creationId xmlns="" xmlns:p14="http://schemas.microsoft.com/office/powerpoint/2010/main" val="3046700683"/>
       </p:ext>
     </p:extLst>
   </p:cSld>
@@ -11822,7 +11580,7 @@
     <a:masterClrMapping/>
   </p:clrMapOvr>
   <mc:AlternateContent xmlns:mc="http://schemas.openxmlformats.org/markup-compatibility/2006">
-    <mc:Choice xmlns:p14="http://schemas.microsoft.com/office/powerpoint/2010/main" xmlns="" Requires="p14">
+    <mc:Choice xmlns="" xmlns:p14="http://schemas.microsoft.com/office/powerpoint/2010/main" Requires="p14">
       <p:transition p14:dur="10"/>
     </mc:Choice>
     <mc:Fallback>
@@ -12174,10 +11932,10 @@
           <p:nvPr/>
         </p:nvPicPr>
         <p:blipFill>
-          <a:blip r:embed="rId3" cstate="print">
+          <a:blip r:embed="rId3" cstate="email">
             <a:extLst>
               <a:ext uri="{28A0092B-C50C-407E-A947-70E740481C1C}">
-                <a14:useLocalDpi xmlns:a14="http://schemas.microsoft.com/office/drawing/2010/main" xmlns="" val="0"/>
+                <a14:useLocalDpi xmlns="" xmlns:a14="http://schemas.microsoft.com/office/drawing/2010/main" val="0"/>
               </a:ext>
             </a:extLst>
           </a:blip>
@@ -12201,14 +11959,14 @@
           <a:effectLst/>
           <a:extLst>
             <a:ext uri="{909E8E84-426E-40DD-AFC4-6F175D3DCCD1}">
-              <a14:hiddenFill xmlns:a14="http://schemas.microsoft.com/office/drawing/2010/main" xmlns="">
+              <a14:hiddenFill xmlns="" xmlns:a14="http://schemas.microsoft.com/office/drawing/2010/main">
                 <a:solidFill>
                   <a:schemeClr val="accent1"/>
                 </a:solidFill>
               </a14:hiddenFill>
             </a:ext>
             <a:ext uri="{91240B29-F687-4F45-9708-019B960494DF}">
-              <a14:hiddenLine xmlns:a14="http://schemas.microsoft.com/office/drawing/2010/main" xmlns="" w="9525">
+              <a14:hiddenLine xmlns="" xmlns:a14="http://schemas.microsoft.com/office/drawing/2010/main" w="9525">
                 <a:solidFill>
                   <a:schemeClr val="tx1"/>
                 </a:solidFill>
@@ -12218,7 +11976,7 @@
               </a14:hiddenLine>
             </a:ext>
             <a:ext uri="{AF507438-7753-43E0-B8FC-AC1667EBCBE1}">
-              <a14:hiddenEffects xmlns:a14="http://schemas.microsoft.com/office/drawing/2010/main" xmlns="">
+              <a14:hiddenEffects xmlns="" xmlns:a14="http://schemas.microsoft.com/office/drawing/2010/main">
                 <a:effectLst>
                   <a:outerShdw dist="35921" dir="2700000" algn="ctr" rotWithShape="0">
                     <a:schemeClr val="bg2"/>
@@ -12238,8 +11996,8 @@
           <p:nvPr/>
         </p:nvPicPr>
         <p:blipFill>
-          <a:blip r:embed="rId4" cstate="print"/>
-          <a:srcRect l="2487" t="36047" r="37743" b="58047"/>
+          <a:blip r:embed="rId4" cstate="email"/>
+          <a:srcRect/>
           <a:stretch>
             <a:fillRect/>
           </a:stretch>
@@ -12270,8 +12028,8 @@
           <p:nvPr/>
         </p:nvPicPr>
         <p:blipFill>
-          <a:blip r:embed="rId4" cstate="print"/>
-          <a:srcRect l="2487" t="42478" r="31655" b="50172"/>
+          <a:blip r:embed="rId5" cstate="email"/>
+          <a:srcRect/>
           <a:stretch>
             <a:fillRect/>
           </a:stretch>
@@ -12296,7 +12054,7 @@
     </p:spTree>
     <p:extLst>
       <p:ext uri="{BB962C8B-B14F-4D97-AF65-F5344CB8AC3E}">
-        <p14:creationId xmlns:p14="http://schemas.microsoft.com/office/powerpoint/2010/main" xmlns="" val="3073115357"/>
+        <p14:creationId xmlns="" xmlns:p14="http://schemas.microsoft.com/office/powerpoint/2010/main" val="3073115357"/>
       </p:ext>
     </p:extLst>
   </p:cSld>
@@ -12304,7 +12062,7 @@
     <a:masterClrMapping/>
   </p:clrMapOvr>
   <mc:AlternateContent xmlns:mc="http://schemas.openxmlformats.org/markup-compatibility/2006">
-    <mc:Choice xmlns:p14="http://schemas.microsoft.com/office/powerpoint/2010/main" xmlns="" Requires="p14">
+    <mc:Choice xmlns="" xmlns:p14="http://schemas.microsoft.com/office/powerpoint/2010/main" Requires="p14">
       <p:transition p14:dur="10"/>
     </mc:Choice>
     <mc:Fallback>
@@ -12511,7 +12269,7 @@
           <p:nvPr>
             <p:extLst>
               <p:ext uri="{D42A27DB-BD31-4B8C-83A1-F6EECF244321}">
-                <p14:modId xmlns:p14="http://schemas.microsoft.com/office/powerpoint/2010/main" xmlns="" val="29602725"/>
+                <p14:modId xmlns="" xmlns:p14="http://schemas.microsoft.com/office/powerpoint/2010/main" val="29602725"/>
               </p:ext>
             </p:extLst>
           </p:nvPr>
@@ -12689,10 +12447,10 @@
           <p:nvPr/>
         </p:nvPicPr>
         <p:blipFill>
-          <a:blip r:embed="rId8" cstate="print">
+          <a:blip r:embed="rId8" cstate="email">
             <a:extLst>
               <a:ext uri="{28A0092B-C50C-407E-A947-70E740481C1C}">
-                <a14:useLocalDpi xmlns:a14="http://schemas.microsoft.com/office/drawing/2010/main" xmlns="" val="0"/>
+                <a14:useLocalDpi xmlns="" xmlns:a14="http://schemas.microsoft.com/office/drawing/2010/main" val="0"/>
               </a:ext>
             </a:extLst>
           </a:blip>
@@ -12712,7 +12470,7 @@
           <a:noFill/>
           <a:extLst>
             <a:ext uri="{909E8E84-426E-40DD-AFC4-6F175D3DCCD1}">
-              <a14:hiddenFill xmlns:a14="http://schemas.microsoft.com/office/drawing/2010/main" xmlns="">
+              <a14:hiddenFill xmlns="" xmlns:a14="http://schemas.microsoft.com/office/drawing/2010/main">
                 <a:solidFill>
                   <a:srgbClr val="FFFFFF"/>
                 </a:solidFill>
@@ -12724,7 +12482,7 @@
     </p:spTree>
     <p:extLst>
       <p:ext uri="{BB962C8B-B14F-4D97-AF65-F5344CB8AC3E}">
-        <p14:creationId xmlns:p14="http://schemas.microsoft.com/office/powerpoint/2010/main" xmlns="" val="2050534564"/>
+        <p14:creationId xmlns="" xmlns:p14="http://schemas.microsoft.com/office/powerpoint/2010/main" val="2050534564"/>
       </p:ext>
     </p:extLst>
   </p:cSld>
@@ -12732,7 +12490,7 @@
     <a:masterClrMapping/>
   </p:clrMapOvr>
   <mc:AlternateContent xmlns:mc="http://schemas.openxmlformats.org/markup-compatibility/2006">
-    <mc:Choice xmlns:p14="http://schemas.microsoft.com/office/powerpoint/2010/main" xmlns="" Requires="p14">
+    <mc:Choice xmlns="" xmlns:p14="http://schemas.microsoft.com/office/powerpoint/2010/main" Requires="p14">
       <p:transition p14:dur="10"/>
     </mc:Choice>
     <mc:Fallback>
